--- a/Session 3/03 - Model Fitting.pptx
+++ b/Session 3/03 - Model Fitting.pptx
@@ -208,7 +208,7 @@
           <a:p>
             <a:fld id="{EFA659FB-0419-C24D-A6C0-9A1B475B1E65}" type="datetimeFigureOut">
               <a:rPr lang="en-US" smtClean="0"/>
-              <a:t>3/17/24</a:t>
+              <a:t>3/19/24</a:t>
             </a:fld>
             <a:endParaRPr lang="en-US"/>
           </a:p>
@@ -519,10 +519,7 @@
           <a:bodyPr/>
           <a:lstStyle/>
           <a:p>
-            <a:r>
-              <a:rPr lang="en-US" dirty="0"/>
-              <a:t>Note that I don’t expect you to implement a neural network from scratch. This is just to give you an understanding of how they work. </a:t>
-            </a:r>
+            <a:endParaRPr lang="en-US" dirty="0"/>
           </a:p>
         </p:txBody>
       </p:sp>
@@ -916,7 +913,7 @@
           <a:p>
             <a:fld id="{87C2F797-6DFD-C74C-BA29-8B3CE1E6C725}" type="datetime1">
               <a:rPr lang="en-US" smtClean="0"/>
-              <a:t>3/17/24</a:t>
+              <a:t>3/19/24</a:t>
             </a:fld>
             <a:endParaRPr lang="en-US"/>
           </a:p>
@@ -1124,7 +1121,7 @@
           <a:p>
             <a:fld id="{64FE1960-B74B-0949-9DEF-CBE661CB7825}" type="datetime1">
               <a:rPr lang="en-US" smtClean="0"/>
-              <a:t>3/17/24</a:t>
+              <a:t>3/19/24</a:t>
             </a:fld>
             <a:endParaRPr lang="en-US"/>
           </a:p>
@@ -1322,7 +1319,7 @@
           <a:p>
             <a:fld id="{91871F70-41C7-F44D-9284-EB301E270CC7}" type="datetime1">
               <a:rPr lang="en-US" smtClean="0"/>
-              <a:t>3/17/24</a:t>
+              <a:t>3/19/24</a:t>
             </a:fld>
             <a:endParaRPr lang="en-US"/>
           </a:p>
@@ -1635,7 +1632,7 @@
           <a:p>
             <a:fld id="{E33F645A-02C2-AF41-9FDB-389E34E8B990}" type="datetime1">
               <a:rPr lang="en-US" smtClean="0"/>
-              <a:t>3/17/24</a:t>
+              <a:t>3/19/24</a:t>
             </a:fld>
             <a:endParaRPr lang="en-US"/>
           </a:p>
@@ -1900,7 +1897,7 @@
           <a:p>
             <a:fld id="{AB873A4C-DE8A-2F49-8ABE-1735EE515528}" type="datetime1">
               <a:rPr lang="en-US" smtClean="0"/>
-              <a:t>3/17/24</a:t>
+              <a:t>3/19/24</a:t>
             </a:fld>
             <a:endParaRPr lang="en-US"/>
           </a:p>
@@ -2312,7 +2309,7 @@
           <a:p>
             <a:fld id="{7DA13BA6-E929-9643-AF0C-C0B90BC6EAC0}" type="datetime1">
               <a:rPr lang="en-US" smtClean="0"/>
-              <a:t>3/17/24</a:t>
+              <a:t>3/19/24</a:t>
             </a:fld>
             <a:endParaRPr lang="en-US"/>
           </a:p>
@@ -2453,7 +2450,7 @@
           <a:p>
             <a:fld id="{1062371E-C5A0-7448-8CF8-A797D242C61D}" type="datetime1">
               <a:rPr lang="en-US" smtClean="0"/>
-              <a:t>3/17/24</a:t>
+              <a:t>3/19/24</a:t>
             </a:fld>
             <a:endParaRPr lang="en-US"/>
           </a:p>
@@ -2566,7 +2563,7 @@
           <a:p>
             <a:fld id="{33C9D714-59A4-C649-915B-E960BF4AC878}" type="datetime1">
               <a:rPr lang="en-US" smtClean="0"/>
-              <a:t>3/17/24</a:t>
+              <a:t>3/19/24</a:t>
             </a:fld>
             <a:endParaRPr lang="en-US"/>
           </a:p>
@@ -2877,7 +2874,7 @@
           <a:p>
             <a:fld id="{3951679C-160D-1F41-A3C3-54837256FB50}" type="datetime1">
               <a:rPr lang="en-US" smtClean="0"/>
-              <a:t>3/17/24</a:t>
+              <a:t>3/19/24</a:t>
             </a:fld>
             <a:endParaRPr lang="en-US"/>
           </a:p>
@@ -3165,7 +3162,7 @@
           <a:p>
             <a:fld id="{296B5A14-0E14-114B-AA5F-546D4BF7B2DC}" type="datetime1">
               <a:rPr lang="en-US" smtClean="0"/>
-              <a:t>3/17/24</a:t>
+              <a:t>3/19/24</a:t>
             </a:fld>
             <a:endParaRPr lang="en-US"/>
           </a:p>
@@ -3406,7 +3403,7 @@
           <a:p>
             <a:fld id="{1A75E9CF-B19A-3C42-99C1-DBC4AFBA0816}" type="datetime1">
               <a:rPr lang="en-US" smtClean="0"/>
-              <a:t>3/17/24</a:t>
+              <a:t>3/19/24</a:t>
             </a:fld>
             <a:endParaRPr lang="en-US"/>
           </a:p>
@@ -4810,7 +4807,7 @@
               <a:rPr lang="en-US" sz="5400" dirty="0">
                 <a:latin typeface="Economica" panose="02000506040000020004" pitchFamily="2" charset="77"/>
               </a:rPr>
-              <a:t>Let’s Walk Through Several Examples</a:t>
+              <a:t>Let’s Walk Through a Couple Examples</a:t>
             </a:r>
           </a:p>
         </p:txBody>

--- a/Session 3/03 - Model Fitting.pptx
+++ b/Session 3/03 - Model Fitting.pptx
@@ -5,21 +5,22 @@
     <p:sldMasterId id="2147483648" r:id="rId1"/>
   </p:sldMasterIdLst>
   <p:notesMasterIdLst>
-    <p:notesMasterId r:id="rId14"/>
+    <p:notesMasterId r:id="rId15"/>
   </p:notesMasterIdLst>
   <p:sldIdLst>
     <p:sldId id="256" r:id="rId2"/>
     <p:sldId id="369" r:id="rId3"/>
-    <p:sldId id="390" r:id="rId4"/>
-    <p:sldId id="403" r:id="rId5"/>
-    <p:sldId id="396" r:id="rId6"/>
-    <p:sldId id="391" r:id="rId7"/>
-    <p:sldId id="397" r:id="rId8"/>
-    <p:sldId id="392" r:id="rId9"/>
-    <p:sldId id="395" r:id="rId10"/>
-    <p:sldId id="402" r:id="rId11"/>
-    <p:sldId id="404" r:id="rId12"/>
-    <p:sldId id="400" r:id="rId13"/>
+    <p:sldId id="403" r:id="rId4"/>
+    <p:sldId id="396" r:id="rId5"/>
+    <p:sldId id="405" r:id="rId6"/>
+    <p:sldId id="406" r:id="rId7"/>
+    <p:sldId id="390" r:id="rId8"/>
+    <p:sldId id="397" r:id="rId9"/>
+    <p:sldId id="392" r:id="rId10"/>
+    <p:sldId id="395" r:id="rId11"/>
+    <p:sldId id="402" r:id="rId12"/>
+    <p:sldId id="404" r:id="rId13"/>
+    <p:sldId id="400" r:id="rId14"/>
   </p:sldIdLst>
   <p:sldSz cx="12192000" cy="6858000"/>
   <p:notesSz cx="6858000" cy="9144000"/>
@@ -540,7 +541,7 @@
           <a:p>
             <a:fld id="{E707AF2C-A832-324A-A13C-3791A9476477}" type="slidenum">
               <a:rPr lang="en-US" smtClean="0"/>
-              <a:t>12</a:t>
+              <a:t>13</a:t>
             </a:fld>
             <a:endParaRPr lang="en-US"/>
           </a:p>
@@ -4195,6 +4196,214 @@
               <a:rPr lang="en-US" sz="5400" dirty="0">
                 <a:latin typeface="Economica" panose="02000506040000020004" pitchFamily="2" charset="77"/>
               </a:rPr>
+              <a:t>Get More Data!</a:t>
+            </a:r>
+          </a:p>
+        </p:txBody>
+      </p:sp>
+      <p:sp>
+        <p:nvSpPr>
+          <p:cNvPr id="5" name="TextBox 4">
+            <a:extLst>
+              <a:ext uri="{FF2B5EF4-FFF2-40B4-BE49-F238E27FC236}">
+                <a16:creationId xmlns:a16="http://schemas.microsoft.com/office/drawing/2014/main" id="{21B2E298-9F21-FF4E-96E1-1B758B6D7AC7}"/>
+              </a:ext>
+            </a:extLst>
+          </p:cNvPr>
+          <p:cNvSpPr txBox="1"/>
+          <p:nvPr/>
+        </p:nvSpPr>
+        <p:spPr>
+          <a:xfrm>
+            <a:off x="890337" y="1940249"/>
+            <a:ext cx="10016362" cy="1923604"/>
+          </a:xfrm>
+          <a:prstGeom prst="rect">
+            <a:avLst/>
+          </a:prstGeom>
+          <a:noFill/>
+        </p:spPr>
+        <p:txBody>
+          <a:bodyPr wrap="square" rtlCol="0">
+            <a:spAutoFit/>
+          </a:bodyPr>
+          <a:lstStyle/>
+          <a:p>
+            <a:r>
+              <a:rPr lang="en-US" b="1" dirty="0">
+                <a:latin typeface="Quicksand" pitchFamily="2" charset="77"/>
+              </a:rPr>
+              <a:t>More Training Examples</a:t>
+            </a:r>
+          </a:p>
+          <a:p>
+            <a:endParaRPr lang="en-US" sz="1100" b="1" dirty="0">
+              <a:latin typeface="Quicksand" pitchFamily="2" charset="77"/>
+            </a:endParaRPr>
+          </a:p>
+          <a:p>
+            <a:pPr marL="742950" lvl="1" indent="-285750">
+              <a:buFont typeface="Arial" panose="020B0604020202020204" pitchFamily="34" charset="0"/>
+              <a:buChar char="•"/>
+            </a:pPr>
+            <a:r>
+              <a:rPr lang="en-US" dirty="0">
+                <a:latin typeface="Quicksand" pitchFamily="2" charset="77"/>
+              </a:rPr>
+              <a:t>Means you can have a bigger training data-set, which will presumably contain more information for the model to extract. </a:t>
+            </a:r>
+          </a:p>
+          <a:p>
+            <a:pPr marL="742950" lvl="1" indent="-285750">
+              <a:buFont typeface="Arial" panose="020B0604020202020204" pitchFamily="34" charset="0"/>
+              <a:buChar char="•"/>
+            </a:pPr>
+            <a:r>
+              <a:rPr lang="en-US" dirty="0">
+                <a:latin typeface="Quicksand" pitchFamily="2" charset="77"/>
+              </a:rPr>
+              <a:t>This is the approach that often yields the best marginal returns, though it can also be most costly. </a:t>
+            </a:r>
+          </a:p>
+          <a:p>
+            <a:pPr marL="742950" lvl="1" indent="-285750">
+              <a:buFont typeface="Arial" panose="020B0604020202020204" pitchFamily="34" charset="0"/>
+              <a:buChar char="•"/>
+            </a:pPr>
+            <a:endParaRPr lang="en-US" dirty="0">
+              <a:latin typeface="Quicksand" pitchFamily="2" charset="77"/>
+            </a:endParaRPr>
+          </a:p>
+          <a:p>
+            <a:pPr marL="628650" lvl="1" indent="-171450">
+              <a:buFont typeface="Arial" panose="020B0604020202020204" pitchFamily="34" charset="0"/>
+              <a:buChar char="•"/>
+            </a:pPr>
+            <a:endParaRPr lang="en-US" dirty="0">
+              <a:latin typeface="Quicksand" pitchFamily="2" charset="77"/>
+            </a:endParaRPr>
+          </a:p>
+        </p:txBody>
+      </p:sp>
+      <p:pic>
+        <p:nvPicPr>
+          <p:cNvPr id="3074" name="Picture 2" descr="How the Data That Internet Companies Collect Can Be Used for the Public Good">
+            <a:extLst>
+              <a:ext uri="{FF2B5EF4-FFF2-40B4-BE49-F238E27FC236}">
+                <a16:creationId xmlns:a16="http://schemas.microsoft.com/office/drawing/2014/main" id="{45F2F0B8-3133-8141-9BA2-4E6C4CB7F9A9}"/>
+              </a:ext>
+            </a:extLst>
+          </p:cNvPr>
+          <p:cNvPicPr>
+            <a:picLocks noChangeAspect="1" noChangeArrowheads="1"/>
+          </p:cNvPicPr>
+          <p:nvPr/>
+        </p:nvPicPr>
+        <p:blipFill>
+          <a:blip r:embed="rId2">
+            <a:extLst>
+              <a:ext uri="{28A0092B-C50C-407E-A947-70E740481C1C}">
+                <a14:useLocalDpi xmlns:a14="http://schemas.microsoft.com/office/drawing/2010/main" val="0"/>
+              </a:ext>
+            </a:extLst>
+          </a:blip>
+          <a:srcRect/>
+          <a:stretch>
+            <a:fillRect/>
+          </a:stretch>
+        </p:blipFill>
+        <p:spPr bwMode="auto">
+          <a:xfrm>
+            <a:off x="3778170" y="3863853"/>
+            <a:ext cx="4240696" cy="2385392"/>
+          </a:xfrm>
+          <a:prstGeom prst="rect">
+            <a:avLst/>
+          </a:prstGeom>
+          <a:ln>
+            <a:noFill/>
+          </a:ln>
+          <a:effectLst>
+            <a:outerShdw blurRad="292100" dist="139700" dir="2700000" algn="tl" rotWithShape="0">
+              <a:srgbClr val="333333">
+                <a:alpha val="65000"/>
+              </a:srgbClr>
+            </a:outerShdw>
+          </a:effectLst>
+          <a:extLst>
+            <a:ext uri="{909E8E84-426E-40DD-AFC4-6F175D3DCCD1}">
+              <a14:hiddenFill xmlns:a14="http://schemas.microsoft.com/office/drawing/2010/main">
+                <a:solidFill>
+                  <a:srgbClr val="FFFFFF"/>
+                </a:solidFill>
+              </a14:hiddenFill>
+            </a:ext>
+          </a:extLst>
+        </p:spPr>
+      </p:pic>
+    </p:spTree>
+    <p:extLst>
+      <p:ext uri="{BB962C8B-B14F-4D97-AF65-F5344CB8AC3E}">
+        <p14:creationId xmlns:p14="http://schemas.microsoft.com/office/powerpoint/2010/main" val="1570379460"/>
+      </p:ext>
+    </p:extLst>
+  </p:cSld>
+  <p:clrMapOvr>
+    <a:masterClrMapping/>
+  </p:clrMapOvr>
+</p:sld>
+</file>
+
+<file path=ppt/slides/slide11.xml><?xml version="1.0" encoding="utf-8"?>
+<p:sld xmlns:a="http://schemas.openxmlformats.org/drawingml/2006/main" xmlns:r="http://schemas.openxmlformats.org/officeDocument/2006/relationships" xmlns:p="http://schemas.openxmlformats.org/presentationml/2006/main" show="0">
+  <p:cSld>
+    <p:spTree>
+      <p:nvGrpSpPr>
+        <p:cNvPr id="1" name=""/>
+        <p:cNvGrpSpPr/>
+        <p:nvPr/>
+      </p:nvGrpSpPr>
+      <p:grpSpPr>
+        <a:xfrm>
+          <a:off x="0" y="0"/>
+          <a:ext cx="0" cy="0"/>
+          <a:chOff x="0" y="0"/>
+          <a:chExt cx="0" cy="0"/>
+        </a:xfrm>
+      </p:grpSpPr>
+      <p:sp>
+        <p:nvSpPr>
+          <p:cNvPr id="4" name="TextBox 3">
+            <a:extLst>
+              <a:ext uri="{FF2B5EF4-FFF2-40B4-BE49-F238E27FC236}">
+                <a16:creationId xmlns:a16="http://schemas.microsoft.com/office/drawing/2014/main" id="{2E4ACB90-5B23-AE45-9404-FED4FB5128EF}"/>
+              </a:ext>
+            </a:extLst>
+          </p:cNvPr>
+          <p:cNvSpPr txBox="1"/>
+          <p:nvPr/>
+        </p:nvSpPr>
+        <p:spPr>
+          <a:xfrm>
+            <a:off x="2865521" y="586938"/>
+            <a:ext cx="6460957" cy="923330"/>
+          </a:xfrm>
+          <a:prstGeom prst="rect">
+            <a:avLst/>
+          </a:prstGeom>
+          <a:noFill/>
+        </p:spPr>
+        <p:txBody>
+          <a:bodyPr wrap="square" rtlCol="0">
+            <a:spAutoFit/>
+          </a:bodyPr>
+          <a:lstStyle/>
+          <a:p>
+            <a:pPr algn="ctr"/>
+            <a:r>
+              <a:rPr lang="en-US" sz="5400" dirty="0">
+                <a:latin typeface="Economica" panose="02000506040000020004" pitchFamily="2" charset="77"/>
+              </a:rPr>
               <a:t>Some Rules of Thumb</a:t>
             </a:r>
           </a:p>
@@ -4471,7 +4680,7 @@
 </p:sld>
 </file>
 
-<file path=ppt/slides/slide11.xml><?xml version="1.0" encoding="utf-8"?>
+<file path=ppt/slides/slide12.xml><?xml version="1.0" encoding="utf-8"?>
 <p:sld xmlns:a="http://schemas.openxmlformats.org/drawingml/2006/main" xmlns:r="http://schemas.openxmlformats.org/officeDocument/2006/relationships" xmlns:p="http://schemas.openxmlformats.org/presentationml/2006/main">
   <p:cSld>
     <p:spTree>
@@ -4511,7 +4720,7 @@
           <a:p>
             <a:fld id="{5F85BDAF-76E7-5E4A-80A9-F732B06DC713}" type="slidenum">
               <a:rPr lang="en-US" smtClean="0"/>
-              <a:t>11</a:t>
+              <a:t>12</a:t>
             </a:fld>
             <a:endParaRPr lang="en-US"/>
           </a:p>
@@ -4728,7 +4937,7 @@
 </p:sld>
 </file>
 
-<file path=ppt/slides/slide12.xml><?xml version="1.0" encoding="utf-8"?>
+<file path=ppt/slides/slide13.xml><?xml version="1.0" encoding="utf-8"?>
 <p:sld xmlns:a="http://schemas.openxmlformats.org/drawingml/2006/main" xmlns:r="http://schemas.openxmlformats.org/officeDocument/2006/relationships" xmlns:p="http://schemas.openxmlformats.org/presentationml/2006/main">
   <p:cSld>
     <p:spTree>
@@ -4768,7 +4977,7 @@
           <a:p>
             <a:fld id="{5F85BDAF-76E7-5E4A-80A9-F732B06DC713}" type="slidenum">
               <a:rPr lang="en-US" smtClean="0"/>
-              <a:t>12</a:t>
+              <a:t>13</a:t>
             </a:fld>
             <a:endParaRPr lang="en-US"/>
           </a:p>
@@ -5072,6 +5281,603 @@
 </file>
 
 <file path=ppt/slides/slide3.xml><?xml version="1.0" encoding="utf-8"?>
+<p:sld xmlns:a="http://schemas.openxmlformats.org/drawingml/2006/main" xmlns:r="http://schemas.openxmlformats.org/officeDocument/2006/relationships" xmlns:p="http://schemas.openxmlformats.org/presentationml/2006/main">
+  <p:cSld>
+    <p:bg>
+      <p:bgPr>
+        <a:solidFill>
+          <a:srgbClr val="FFFFFF"/>
+        </a:solidFill>
+        <a:effectLst/>
+      </p:bgPr>
+    </p:bg>
+    <p:spTree>
+      <p:nvGrpSpPr>
+        <p:cNvPr id="1" name=""/>
+        <p:cNvGrpSpPr/>
+        <p:nvPr/>
+      </p:nvGrpSpPr>
+      <p:grpSpPr>
+        <a:xfrm>
+          <a:off x="0" y="0"/>
+          <a:ext cx="0" cy="0"/>
+          <a:chOff x="0" y="0"/>
+          <a:chExt cx="0" cy="0"/>
+        </a:xfrm>
+      </p:grpSpPr>
+      <p:sp>
+        <p:nvSpPr>
+          <p:cNvPr id="4" name="TextBox 3">
+            <a:extLst>
+              <a:ext uri="{FF2B5EF4-FFF2-40B4-BE49-F238E27FC236}">
+                <a16:creationId xmlns:a16="http://schemas.microsoft.com/office/drawing/2014/main" id="{2E4ACB90-5B23-AE45-9404-FED4FB5128EF}"/>
+              </a:ext>
+            </a:extLst>
+          </p:cNvPr>
+          <p:cNvSpPr txBox="1"/>
+          <p:nvPr/>
+        </p:nvSpPr>
+        <p:spPr>
+          <a:xfrm>
+            <a:off x="2865521" y="586938"/>
+            <a:ext cx="6460957" cy="923330"/>
+          </a:xfrm>
+          <a:prstGeom prst="rect">
+            <a:avLst/>
+          </a:prstGeom>
+          <a:noFill/>
+        </p:spPr>
+        <p:txBody>
+          <a:bodyPr wrap="square" rtlCol="0">
+            <a:spAutoFit/>
+          </a:bodyPr>
+          <a:lstStyle/>
+          <a:p>
+            <a:pPr algn="ctr"/>
+            <a:r>
+              <a:rPr lang="en-US" sz="5400" dirty="0">
+                <a:latin typeface="Economica" panose="02000506040000020004" pitchFamily="2" charset="77"/>
+              </a:rPr>
+              <a:t>Overfitting</a:t>
+            </a:r>
+          </a:p>
+        </p:txBody>
+      </p:sp>
+      <p:sp>
+        <p:nvSpPr>
+          <p:cNvPr id="5" name="TextBox 4">
+            <a:extLst>
+              <a:ext uri="{FF2B5EF4-FFF2-40B4-BE49-F238E27FC236}">
+                <a16:creationId xmlns:a16="http://schemas.microsoft.com/office/drawing/2014/main" id="{21B2E298-9F21-FF4E-96E1-1B758B6D7AC7}"/>
+              </a:ext>
+            </a:extLst>
+          </p:cNvPr>
+          <p:cNvSpPr txBox="1"/>
+          <p:nvPr/>
+        </p:nvSpPr>
+        <p:spPr>
+          <a:xfrm>
+            <a:off x="890337" y="1940249"/>
+            <a:ext cx="10016362" cy="1477328"/>
+          </a:xfrm>
+          <a:prstGeom prst="rect">
+            <a:avLst/>
+          </a:prstGeom>
+          <a:noFill/>
+        </p:spPr>
+        <p:txBody>
+          <a:bodyPr wrap="square" rtlCol="0">
+            <a:spAutoFit/>
+          </a:bodyPr>
+          <a:lstStyle/>
+          <a:p>
+            <a:r>
+              <a:rPr lang="en-US" sz="2000" b="1" dirty="0">
+                <a:latin typeface="Quicksand" pitchFamily="2" charset="77"/>
+              </a:rPr>
+              <a:t>A Neural Network Can Easily Overfit…</a:t>
+            </a:r>
+          </a:p>
+          <a:p>
+            <a:endParaRPr lang="en-US" sz="2000" b="1" dirty="0">
+              <a:latin typeface="Quicksand" pitchFamily="2" charset="77"/>
+            </a:endParaRPr>
+          </a:p>
+          <a:p>
+            <a:pPr marL="171450" indent="-171450">
+              <a:buFont typeface="Arial" panose="020B0604020202020204" pitchFamily="34" charset="0"/>
+              <a:buChar char="•"/>
+            </a:pPr>
+            <a:r>
+              <a:rPr lang="en-US" dirty="0">
+                <a:latin typeface="Quicksand" pitchFamily="2" charset="77"/>
+              </a:rPr>
+              <a:t>Let’s look at an extreme case… </a:t>
+            </a:r>
+          </a:p>
+          <a:p>
+            <a:pPr marL="171450" indent="-171450">
+              <a:buFont typeface="Arial" panose="020B0604020202020204" pitchFamily="34" charset="0"/>
+              <a:buChar char="•"/>
+            </a:pPr>
+            <a:endParaRPr lang="en-US" sz="1400" dirty="0">
+              <a:latin typeface="Quicksand" pitchFamily="2" charset="77"/>
+            </a:endParaRPr>
+          </a:p>
+          <a:p>
+            <a:pPr marL="628650" lvl="1" indent="-171450">
+              <a:buFont typeface="Arial" panose="020B0604020202020204" pitchFamily="34" charset="0"/>
+              <a:buChar char="•"/>
+            </a:pPr>
+            <a:endParaRPr lang="en-US" dirty="0">
+              <a:latin typeface="Quicksand" pitchFamily="2" charset="77"/>
+            </a:endParaRPr>
+          </a:p>
+        </p:txBody>
+      </p:sp>
+      <p:pic>
+        <p:nvPicPr>
+          <p:cNvPr id="2" name="Picture 2" descr="Overfitting - Wikipedia">
+            <a:extLst>
+              <a:ext uri="{FF2B5EF4-FFF2-40B4-BE49-F238E27FC236}">
+                <a16:creationId xmlns:a16="http://schemas.microsoft.com/office/drawing/2014/main" id="{068A22EF-D4A2-974F-A968-970275C654DE}"/>
+              </a:ext>
+            </a:extLst>
+          </p:cNvPr>
+          <p:cNvPicPr>
+            <a:picLocks noChangeAspect="1" noChangeArrowheads="1"/>
+          </p:cNvPicPr>
+          <p:nvPr/>
+        </p:nvPicPr>
+        <p:blipFill>
+          <a:blip r:embed="rId2">
+            <a:extLst>
+              <a:ext uri="{28A0092B-C50C-407E-A947-70E740481C1C}">
+                <a14:useLocalDpi xmlns:a14="http://schemas.microsoft.com/office/drawing/2010/main" val="0"/>
+              </a:ext>
+            </a:extLst>
+          </a:blip>
+          <a:srcRect/>
+          <a:stretch>
+            <a:fillRect/>
+          </a:stretch>
+        </p:blipFill>
+        <p:spPr bwMode="auto">
+          <a:xfrm>
+            <a:off x="6641070" y="2214461"/>
+            <a:ext cx="4025199" cy="4025199"/>
+          </a:xfrm>
+          <a:prstGeom prst="rect">
+            <a:avLst/>
+          </a:prstGeom>
+          <a:noFill/>
+          <a:extLst>
+            <a:ext uri="{909E8E84-426E-40DD-AFC4-6F175D3DCCD1}">
+              <a14:hiddenFill xmlns:a14="http://schemas.microsoft.com/office/drawing/2010/main">
+                <a:solidFill>
+                  <a:srgbClr val="FFFFFF"/>
+                </a:solidFill>
+              </a14:hiddenFill>
+            </a:ext>
+          </a:extLst>
+        </p:spPr>
+      </p:pic>
+      <p:pic>
+        <p:nvPicPr>
+          <p:cNvPr id="1028" name="Picture 4">
+            <a:extLst>
+              <a:ext uri="{FF2B5EF4-FFF2-40B4-BE49-F238E27FC236}">
+                <a16:creationId xmlns:a16="http://schemas.microsoft.com/office/drawing/2014/main" id="{7DAA6588-ED84-F148-B89C-58AF0C44A0DE}"/>
+              </a:ext>
+            </a:extLst>
+          </p:cNvPr>
+          <p:cNvPicPr>
+            <a:picLocks noChangeAspect="1" noChangeArrowheads="1"/>
+          </p:cNvPicPr>
+          <p:nvPr/>
+        </p:nvPicPr>
+        <p:blipFill>
+          <a:blip r:embed="rId3">
+            <a:extLst>
+              <a:ext uri="{28A0092B-C50C-407E-A947-70E740481C1C}">
+                <a14:useLocalDpi xmlns:a14="http://schemas.microsoft.com/office/drawing/2010/main" val="0"/>
+              </a:ext>
+            </a:extLst>
+          </a:blip>
+          <a:srcRect/>
+          <a:stretch>
+            <a:fillRect/>
+          </a:stretch>
+        </p:blipFill>
+        <p:spPr bwMode="auto">
+          <a:xfrm>
+            <a:off x="2478155" y="3570387"/>
+            <a:ext cx="2167081" cy="2141180"/>
+          </a:xfrm>
+          <a:prstGeom prst="rect">
+            <a:avLst/>
+          </a:prstGeom>
+          <a:noFill/>
+          <a:extLst>
+            <a:ext uri="{909E8E84-426E-40DD-AFC4-6F175D3DCCD1}">
+              <a14:hiddenFill xmlns:a14="http://schemas.microsoft.com/office/drawing/2010/main">
+                <a:solidFill>
+                  <a:srgbClr val="FFFFFF"/>
+                </a:solidFill>
+              </a14:hiddenFill>
+            </a:ext>
+          </a:extLst>
+        </p:spPr>
+      </p:pic>
+    </p:spTree>
+    <p:extLst>
+      <p:ext uri="{BB962C8B-B14F-4D97-AF65-F5344CB8AC3E}">
+        <p14:creationId xmlns:p14="http://schemas.microsoft.com/office/powerpoint/2010/main" val="565530281"/>
+      </p:ext>
+    </p:extLst>
+  </p:cSld>
+  <p:clrMapOvr>
+    <a:masterClrMapping/>
+  </p:clrMapOvr>
+</p:sld>
+</file>
+
+<file path=ppt/slides/slide4.xml><?xml version="1.0" encoding="utf-8"?>
+<p:sld xmlns:a="http://schemas.openxmlformats.org/drawingml/2006/main" xmlns:r="http://schemas.openxmlformats.org/officeDocument/2006/relationships" xmlns:p="http://schemas.openxmlformats.org/presentationml/2006/main">
+  <p:cSld>
+    <p:spTree>
+      <p:nvGrpSpPr>
+        <p:cNvPr id="1" name=""/>
+        <p:cNvGrpSpPr/>
+        <p:nvPr/>
+      </p:nvGrpSpPr>
+      <p:grpSpPr>
+        <a:xfrm>
+          <a:off x="0" y="0"/>
+          <a:ext cx="0" cy="0"/>
+          <a:chOff x="0" y="0"/>
+          <a:chExt cx="0" cy="0"/>
+        </a:xfrm>
+      </p:grpSpPr>
+      <p:sp>
+        <p:nvSpPr>
+          <p:cNvPr id="4" name="TextBox 3">
+            <a:extLst>
+              <a:ext uri="{FF2B5EF4-FFF2-40B4-BE49-F238E27FC236}">
+                <a16:creationId xmlns:a16="http://schemas.microsoft.com/office/drawing/2014/main" id="{2E4ACB90-5B23-AE45-9404-FED4FB5128EF}"/>
+              </a:ext>
+            </a:extLst>
+          </p:cNvPr>
+          <p:cNvSpPr txBox="1"/>
+          <p:nvPr/>
+        </p:nvSpPr>
+        <p:spPr>
+          <a:xfrm>
+            <a:off x="1842053" y="586938"/>
+            <a:ext cx="8507894" cy="923330"/>
+          </a:xfrm>
+          <a:prstGeom prst="rect">
+            <a:avLst/>
+          </a:prstGeom>
+          <a:noFill/>
+        </p:spPr>
+        <p:txBody>
+          <a:bodyPr wrap="square" rtlCol="0">
+            <a:spAutoFit/>
+          </a:bodyPr>
+          <a:lstStyle/>
+          <a:p>
+            <a:pPr algn="ctr"/>
+            <a:r>
+              <a:rPr lang="en-US" sz="5400" dirty="0">
+                <a:latin typeface="Economica" panose="02000506040000020004" pitchFamily="2" charset="77"/>
+              </a:rPr>
+              <a:t>Regularization 1: Kernel </a:t>
+            </a:r>
+            <a:r>
+              <a:rPr lang="en-US" sz="5400" dirty="0" err="1">
+                <a:latin typeface="Economica" panose="02000506040000020004" pitchFamily="2" charset="77"/>
+              </a:rPr>
+              <a:t>Regularizer</a:t>
+            </a:r>
+            <a:endParaRPr lang="en-US" sz="5400" dirty="0">
+              <a:latin typeface="Economica" panose="02000506040000020004" pitchFamily="2" charset="77"/>
+            </a:endParaRPr>
+          </a:p>
+        </p:txBody>
+      </p:sp>
+      <p:sp>
+        <p:nvSpPr>
+          <p:cNvPr id="5" name="TextBox 4">
+            <a:extLst>
+              <a:ext uri="{FF2B5EF4-FFF2-40B4-BE49-F238E27FC236}">
+                <a16:creationId xmlns:a16="http://schemas.microsoft.com/office/drawing/2014/main" id="{21B2E298-9F21-FF4E-96E1-1B758B6D7AC7}"/>
+              </a:ext>
+            </a:extLst>
+          </p:cNvPr>
+          <p:cNvSpPr txBox="1"/>
+          <p:nvPr/>
+        </p:nvSpPr>
+        <p:spPr>
+          <a:xfrm>
+            <a:off x="890337" y="1940249"/>
+            <a:ext cx="10016362" cy="1446550"/>
+          </a:xfrm>
+          <a:prstGeom prst="rect">
+            <a:avLst/>
+          </a:prstGeom>
+          <a:noFill/>
+        </p:spPr>
+        <p:txBody>
+          <a:bodyPr wrap="square" rtlCol="0">
+            <a:spAutoFit/>
+          </a:bodyPr>
+          <a:lstStyle/>
+          <a:p>
+            <a:r>
+              <a:rPr lang="en-US" sz="2000" b="1" dirty="0">
+                <a:latin typeface="Quicksand" pitchFamily="2" charset="77"/>
+              </a:rPr>
+              <a:t>Regularizing Weights Means Less Entropy</a:t>
+            </a:r>
+          </a:p>
+          <a:p>
+            <a:pPr marL="171450" indent="-171450">
+              <a:buFont typeface="Arial" panose="020B0604020202020204" pitchFamily="34" charset="0"/>
+              <a:buChar char="•"/>
+            </a:pPr>
+            <a:endParaRPr lang="en-US" sz="1400" dirty="0">
+              <a:latin typeface="Quicksand" pitchFamily="2" charset="77"/>
+            </a:endParaRPr>
+          </a:p>
+          <a:p>
+            <a:pPr marL="628650" lvl="1" indent="-171450">
+              <a:buFont typeface="Arial" panose="020B0604020202020204" pitchFamily="34" charset="0"/>
+              <a:buChar char="•"/>
+            </a:pPr>
+            <a:r>
+              <a:rPr lang="en-US" dirty="0">
+                <a:latin typeface="Quicksand" pitchFamily="2" charset="77"/>
+              </a:rPr>
+              <a:t>Regularizing a layer’s weights means the weights are updated less as their collective magnitude (e.g., sum) gets larger. Both L1 or L2 norms can be used here applied. </a:t>
+            </a:r>
+          </a:p>
+          <a:p>
+            <a:pPr marL="628650" lvl="1" indent="-171450">
+              <a:buFont typeface="Arial" panose="020B0604020202020204" pitchFamily="34" charset="0"/>
+              <a:buChar char="•"/>
+            </a:pPr>
+            <a:r>
+              <a:rPr lang="en-US" dirty="0">
+                <a:latin typeface="Quicksand" pitchFamily="2" charset="77"/>
+              </a:rPr>
+              <a:t>This approach is typically used to improve the validation performance of smaller networks. </a:t>
+            </a:r>
+          </a:p>
+        </p:txBody>
+      </p:sp>
+      <p:pic>
+        <p:nvPicPr>
+          <p:cNvPr id="2" name="Picture 1">
+            <a:extLst>
+              <a:ext uri="{FF2B5EF4-FFF2-40B4-BE49-F238E27FC236}">
+                <a16:creationId xmlns:a16="http://schemas.microsoft.com/office/drawing/2014/main" id="{E0C04DF8-6EA2-E948-B0B5-0E9E958C8DF8}"/>
+              </a:ext>
+            </a:extLst>
+          </p:cNvPr>
+          <p:cNvPicPr>
+            <a:picLocks noChangeAspect="1"/>
+          </p:cNvPicPr>
+          <p:nvPr/>
+        </p:nvPicPr>
+        <p:blipFill>
+          <a:blip r:embed="rId2"/>
+          <a:stretch>
+            <a:fillRect/>
+          </a:stretch>
+        </p:blipFill>
+        <p:spPr>
+          <a:xfrm>
+            <a:off x="3413125" y="3597538"/>
+            <a:ext cx="5365750" cy="2899624"/>
+          </a:xfrm>
+          <a:prstGeom prst="rect">
+            <a:avLst/>
+          </a:prstGeom>
+        </p:spPr>
+      </p:pic>
+    </p:spTree>
+    <p:extLst>
+      <p:ext uri="{BB962C8B-B14F-4D97-AF65-F5344CB8AC3E}">
+        <p14:creationId xmlns:p14="http://schemas.microsoft.com/office/powerpoint/2010/main" val="2580975236"/>
+      </p:ext>
+    </p:extLst>
+  </p:cSld>
+  <p:clrMapOvr>
+    <a:masterClrMapping/>
+  </p:clrMapOvr>
+</p:sld>
+</file>
+
+<file path=ppt/slides/slide5.xml><?xml version="1.0" encoding="utf-8"?>
+<p:sld xmlns:a="http://schemas.openxmlformats.org/drawingml/2006/main" xmlns:r="http://schemas.openxmlformats.org/officeDocument/2006/relationships" xmlns:p="http://schemas.openxmlformats.org/presentationml/2006/main">
+  <p:cSld>
+    <p:spTree>
+      <p:nvGrpSpPr>
+        <p:cNvPr id="1" name=""/>
+        <p:cNvGrpSpPr/>
+        <p:nvPr/>
+      </p:nvGrpSpPr>
+      <p:grpSpPr>
+        <a:xfrm>
+          <a:off x="0" y="0"/>
+          <a:ext cx="0" cy="0"/>
+          <a:chOff x="0" y="0"/>
+          <a:chExt cx="0" cy="0"/>
+        </a:xfrm>
+      </p:grpSpPr>
+      <p:pic>
+        <p:nvPicPr>
+          <p:cNvPr id="6" name="Picture 5">
+            <a:extLst>
+              <a:ext uri="{FF2B5EF4-FFF2-40B4-BE49-F238E27FC236}">
+                <a16:creationId xmlns:a16="http://schemas.microsoft.com/office/drawing/2014/main" id="{848FE4EB-67B8-EF46-4E4C-33B2A36FEEF9}"/>
+              </a:ext>
+            </a:extLst>
+          </p:cNvPr>
+          <p:cNvPicPr>
+            <a:picLocks noChangeAspect="1"/>
+          </p:cNvPicPr>
+          <p:nvPr/>
+        </p:nvPicPr>
+        <p:blipFill>
+          <a:blip r:embed="rId2"/>
+          <a:stretch>
+            <a:fillRect/>
+          </a:stretch>
+        </p:blipFill>
+        <p:spPr>
+          <a:xfrm>
+            <a:off x="-1" y="0"/>
+            <a:ext cx="12192001" cy="6858000"/>
+          </a:xfrm>
+          <a:prstGeom prst="rect">
+            <a:avLst/>
+          </a:prstGeom>
+        </p:spPr>
+      </p:pic>
+      <p:sp>
+        <p:nvSpPr>
+          <p:cNvPr id="4" name="Slide Number Placeholder 3">
+            <a:extLst>
+              <a:ext uri="{FF2B5EF4-FFF2-40B4-BE49-F238E27FC236}">
+                <a16:creationId xmlns:a16="http://schemas.microsoft.com/office/drawing/2014/main" id="{C1ECA0D2-BBC1-6D1D-DEE0-E3005835AC52}"/>
+              </a:ext>
+            </a:extLst>
+          </p:cNvPr>
+          <p:cNvSpPr>
+            <a:spLocks noGrp="1"/>
+          </p:cNvSpPr>
+          <p:nvPr>
+            <p:ph type="sldNum" sz="quarter" idx="12"/>
+          </p:nvPr>
+        </p:nvSpPr>
+        <p:spPr/>
+        <p:txBody>
+          <a:bodyPr/>
+          <a:lstStyle/>
+          <a:p>
+            <a:fld id="{5F85BDAF-76E7-5E4A-80A9-F732B06DC713}" type="slidenum">
+              <a:rPr lang="en-US" smtClean="0"/>
+              <a:t>5</a:t>
+            </a:fld>
+            <a:endParaRPr lang="en-US"/>
+          </a:p>
+        </p:txBody>
+      </p:sp>
+    </p:spTree>
+    <p:extLst>
+      <p:ext uri="{BB962C8B-B14F-4D97-AF65-F5344CB8AC3E}">
+        <p14:creationId xmlns:p14="http://schemas.microsoft.com/office/powerpoint/2010/main" val="3841688199"/>
+      </p:ext>
+    </p:extLst>
+  </p:cSld>
+  <p:clrMapOvr>
+    <a:masterClrMapping/>
+  </p:clrMapOvr>
+</p:sld>
+</file>
+
+<file path=ppt/slides/slide6.xml><?xml version="1.0" encoding="utf-8"?>
+<p:sld xmlns:a="http://schemas.openxmlformats.org/drawingml/2006/main" xmlns:r="http://schemas.openxmlformats.org/officeDocument/2006/relationships" xmlns:p="http://schemas.openxmlformats.org/presentationml/2006/main">
+  <p:cSld>
+    <p:spTree>
+      <p:nvGrpSpPr>
+        <p:cNvPr id="1" name=""/>
+        <p:cNvGrpSpPr/>
+        <p:nvPr/>
+      </p:nvGrpSpPr>
+      <p:grpSpPr>
+        <a:xfrm>
+          <a:off x="0" y="0"/>
+          <a:ext cx="0" cy="0"/>
+          <a:chOff x="0" y="0"/>
+          <a:chExt cx="0" cy="0"/>
+        </a:xfrm>
+      </p:grpSpPr>
+      <p:sp>
+        <p:nvSpPr>
+          <p:cNvPr id="4" name="Slide Number Placeholder 3">
+            <a:extLst>
+              <a:ext uri="{FF2B5EF4-FFF2-40B4-BE49-F238E27FC236}">
+                <a16:creationId xmlns:a16="http://schemas.microsoft.com/office/drawing/2014/main" id="{C1ECA0D2-BBC1-6D1D-DEE0-E3005835AC52}"/>
+              </a:ext>
+            </a:extLst>
+          </p:cNvPr>
+          <p:cNvSpPr>
+            <a:spLocks noGrp="1"/>
+          </p:cNvSpPr>
+          <p:nvPr>
+            <p:ph type="sldNum" sz="quarter" idx="12"/>
+          </p:nvPr>
+        </p:nvSpPr>
+        <p:spPr/>
+        <p:txBody>
+          <a:bodyPr/>
+          <a:lstStyle/>
+          <a:p>
+            <a:fld id="{5F85BDAF-76E7-5E4A-80A9-F732B06DC713}" type="slidenum">
+              <a:rPr lang="en-US" smtClean="0"/>
+              <a:t>6</a:t>
+            </a:fld>
+            <a:endParaRPr lang="en-US"/>
+          </a:p>
+        </p:txBody>
+      </p:sp>
+      <p:pic>
+        <p:nvPicPr>
+          <p:cNvPr id="3" name="Picture 2">
+            <a:extLst>
+              <a:ext uri="{FF2B5EF4-FFF2-40B4-BE49-F238E27FC236}">
+                <a16:creationId xmlns:a16="http://schemas.microsoft.com/office/drawing/2014/main" id="{E0E013A4-B359-CAAC-DF16-02F0F7CF0BFC}"/>
+              </a:ext>
+            </a:extLst>
+          </p:cNvPr>
+          <p:cNvPicPr>
+            <a:picLocks noChangeAspect="1"/>
+          </p:cNvPicPr>
+          <p:nvPr/>
+        </p:nvPicPr>
+        <p:blipFill>
+          <a:blip r:embed="rId2"/>
+          <a:stretch>
+            <a:fillRect/>
+          </a:stretch>
+        </p:blipFill>
+        <p:spPr>
+          <a:xfrm>
+            <a:off x="0" y="1"/>
+            <a:ext cx="12192000" cy="6858000"/>
+          </a:xfrm>
+          <a:prstGeom prst="rect">
+            <a:avLst/>
+          </a:prstGeom>
+        </p:spPr>
+      </p:pic>
+    </p:spTree>
+    <p:extLst>
+      <p:ext uri="{BB962C8B-B14F-4D97-AF65-F5344CB8AC3E}">
+        <p14:creationId xmlns:p14="http://schemas.microsoft.com/office/powerpoint/2010/main" val="4182782265"/>
+      </p:ext>
+    </p:extLst>
+  </p:cSld>
+  <p:clrMapOvr>
+    <a:masterClrMapping/>
+  </p:clrMapOvr>
+</p:sld>
+</file>
+
+<file path=ppt/slides/slide7.xml><?xml version="1.0" encoding="utf-8"?>
 <p:sld xmlns:a="http://schemas.openxmlformats.org/drawingml/2006/main" xmlns:r="http://schemas.openxmlformats.org/officeDocument/2006/relationships" xmlns:p="http://schemas.openxmlformats.org/presentationml/2006/main">
   <p:cSld>
     <p:bg>
@@ -5302,606 +6108,7 @@
 </p:sld>
 </file>
 
-<file path=ppt/slides/slide4.xml><?xml version="1.0" encoding="utf-8"?>
-<p:sld xmlns:a="http://schemas.openxmlformats.org/drawingml/2006/main" xmlns:r="http://schemas.openxmlformats.org/officeDocument/2006/relationships" xmlns:p="http://schemas.openxmlformats.org/presentationml/2006/main">
-  <p:cSld>
-    <p:bg>
-      <p:bgPr>
-        <a:solidFill>
-          <a:srgbClr val="FFFFFF"/>
-        </a:solidFill>
-        <a:effectLst/>
-      </p:bgPr>
-    </p:bg>
-    <p:spTree>
-      <p:nvGrpSpPr>
-        <p:cNvPr id="1" name=""/>
-        <p:cNvGrpSpPr/>
-        <p:nvPr/>
-      </p:nvGrpSpPr>
-      <p:grpSpPr>
-        <a:xfrm>
-          <a:off x="0" y="0"/>
-          <a:ext cx="0" cy="0"/>
-          <a:chOff x="0" y="0"/>
-          <a:chExt cx="0" cy="0"/>
-        </a:xfrm>
-      </p:grpSpPr>
-      <p:sp>
-        <p:nvSpPr>
-          <p:cNvPr id="4" name="TextBox 3">
-            <a:extLst>
-              <a:ext uri="{FF2B5EF4-FFF2-40B4-BE49-F238E27FC236}">
-                <a16:creationId xmlns:a16="http://schemas.microsoft.com/office/drawing/2014/main" id="{2E4ACB90-5B23-AE45-9404-FED4FB5128EF}"/>
-              </a:ext>
-            </a:extLst>
-          </p:cNvPr>
-          <p:cNvSpPr txBox="1"/>
-          <p:nvPr/>
-        </p:nvSpPr>
-        <p:spPr>
-          <a:xfrm>
-            <a:off x="2865521" y="586938"/>
-            <a:ext cx="6460957" cy="923330"/>
-          </a:xfrm>
-          <a:prstGeom prst="rect">
-            <a:avLst/>
-          </a:prstGeom>
-          <a:noFill/>
-        </p:spPr>
-        <p:txBody>
-          <a:bodyPr wrap="square" rtlCol="0">
-            <a:spAutoFit/>
-          </a:bodyPr>
-          <a:lstStyle/>
-          <a:p>
-            <a:pPr algn="ctr"/>
-            <a:r>
-              <a:rPr lang="en-US" sz="5400" dirty="0">
-                <a:latin typeface="Economica" panose="02000506040000020004" pitchFamily="2" charset="77"/>
-              </a:rPr>
-              <a:t>Overfitting</a:t>
-            </a:r>
-          </a:p>
-        </p:txBody>
-      </p:sp>
-      <p:sp>
-        <p:nvSpPr>
-          <p:cNvPr id="5" name="TextBox 4">
-            <a:extLst>
-              <a:ext uri="{FF2B5EF4-FFF2-40B4-BE49-F238E27FC236}">
-                <a16:creationId xmlns:a16="http://schemas.microsoft.com/office/drawing/2014/main" id="{21B2E298-9F21-FF4E-96E1-1B758B6D7AC7}"/>
-              </a:ext>
-            </a:extLst>
-          </p:cNvPr>
-          <p:cNvSpPr txBox="1"/>
-          <p:nvPr/>
-        </p:nvSpPr>
-        <p:spPr>
-          <a:xfrm>
-            <a:off x="890337" y="1940249"/>
-            <a:ext cx="10016362" cy="1477328"/>
-          </a:xfrm>
-          <a:prstGeom prst="rect">
-            <a:avLst/>
-          </a:prstGeom>
-          <a:noFill/>
-        </p:spPr>
-        <p:txBody>
-          <a:bodyPr wrap="square" rtlCol="0">
-            <a:spAutoFit/>
-          </a:bodyPr>
-          <a:lstStyle/>
-          <a:p>
-            <a:r>
-              <a:rPr lang="en-US" sz="2000" b="1" dirty="0">
-                <a:latin typeface="Quicksand" pitchFamily="2" charset="77"/>
-              </a:rPr>
-              <a:t>A Neural Network Can Easily Overfit…</a:t>
-            </a:r>
-          </a:p>
-          <a:p>
-            <a:endParaRPr lang="en-US" sz="2000" b="1" dirty="0">
-              <a:latin typeface="Quicksand" pitchFamily="2" charset="77"/>
-            </a:endParaRPr>
-          </a:p>
-          <a:p>
-            <a:pPr marL="171450" indent="-171450">
-              <a:buFont typeface="Arial" panose="020B0604020202020204" pitchFamily="34" charset="0"/>
-              <a:buChar char="•"/>
-            </a:pPr>
-            <a:r>
-              <a:rPr lang="en-US" dirty="0">
-                <a:latin typeface="Quicksand" pitchFamily="2" charset="77"/>
-              </a:rPr>
-              <a:t>Let’s look at an extreme case… </a:t>
-            </a:r>
-          </a:p>
-          <a:p>
-            <a:pPr marL="171450" indent="-171450">
-              <a:buFont typeface="Arial" panose="020B0604020202020204" pitchFamily="34" charset="0"/>
-              <a:buChar char="•"/>
-            </a:pPr>
-            <a:endParaRPr lang="en-US" sz="1400" dirty="0">
-              <a:latin typeface="Quicksand" pitchFamily="2" charset="77"/>
-            </a:endParaRPr>
-          </a:p>
-          <a:p>
-            <a:pPr marL="628650" lvl="1" indent="-171450">
-              <a:buFont typeface="Arial" panose="020B0604020202020204" pitchFamily="34" charset="0"/>
-              <a:buChar char="•"/>
-            </a:pPr>
-            <a:endParaRPr lang="en-US" dirty="0">
-              <a:latin typeface="Quicksand" pitchFamily="2" charset="77"/>
-            </a:endParaRPr>
-          </a:p>
-        </p:txBody>
-      </p:sp>
-      <p:pic>
-        <p:nvPicPr>
-          <p:cNvPr id="2" name="Picture 2" descr="Overfitting - Wikipedia">
-            <a:extLst>
-              <a:ext uri="{FF2B5EF4-FFF2-40B4-BE49-F238E27FC236}">
-                <a16:creationId xmlns:a16="http://schemas.microsoft.com/office/drawing/2014/main" id="{068A22EF-D4A2-974F-A968-970275C654DE}"/>
-              </a:ext>
-            </a:extLst>
-          </p:cNvPr>
-          <p:cNvPicPr>
-            <a:picLocks noChangeAspect="1" noChangeArrowheads="1"/>
-          </p:cNvPicPr>
-          <p:nvPr/>
-        </p:nvPicPr>
-        <p:blipFill>
-          <a:blip r:embed="rId2">
-            <a:extLst>
-              <a:ext uri="{28A0092B-C50C-407E-A947-70E740481C1C}">
-                <a14:useLocalDpi xmlns:a14="http://schemas.microsoft.com/office/drawing/2010/main" val="0"/>
-              </a:ext>
-            </a:extLst>
-          </a:blip>
-          <a:srcRect/>
-          <a:stretch>
-            <a:fillRect/>
-          </a:stretch>
-        </p:blipFill>
-        <p:spPr bwMode="auto">
-          <a:xfrm>
-            <a:off x="6641070" y="2214461"/>
-            <a:ext cx="4025199" cy="4025199"/>
-          </a:xfrm>
-          <a:prstGeom prst="rect">
-            <a:avLst/>
-          </a:prstGeom>
-          <a:noFill/>
-          <a:extLst>
-            <a:ext uri="{909E8E84-426E-40DD-AFC4-6F175D3DCCD1}">
-              <a14:hiddenFill xmlns:a14="http://schemas.microsoft.com/office/drawing/2010/main">
-                <a:solidFill>
-                  <a:srgbClr val="FFFFFF"/>
-                </a:solidFill>
-              </a14:hiddenFill>
-            </a:ext>
-          </a:extLst>
-        </p:spPr>
-      </p:pic>
-      <p:pic>
-        <p:nvPicPr>
-          <p:cNvPr id="1028" name="Picture 4">
-            <a:extLst>
-              <a:ext uri="{FF2B5EF4-FFF2-40B4-BE49-F238E27FC236}">
-                <a16:creationId xmlns:a16="http://schemas.microsoft.com/office/drawing/2014/main" id="{7DAA6588-ED84-F148-B89C-58AF0C44A0DE}"/>
-              </a:ext>
-            </a:extLst>
-          </p:cNvPr>
-          <p:cNvPicPr>
-            <a:picLocks noChangeAspect="1" noChangeArrowheads="1"/>
-          </p:cNvPicPr>
-          <p:nvPr/>
-        </p:nvPicPr>
-        <p:blipFill>
-          <a:blip r:embed="rId3">
-            <a:extLst>
-              <a:ext uri="{28A0092B-C50C-407E-A947-70E740481C1C}">
-                <a14:useLocalDpi xmlns:a14="http://schemas.microsoft.com/office/drawing/2010/main" val="0"/>
-              </a:ext>
-            </a:extLst>
-          </a:blip>
-          <a:srcRect/>
-          <a:stretch>
-            <a:fillRect/>
-          </a:stretch>
-        </p:blipFill>
-        <p:spPr bwMode="auto">
-          <a:xfrm>
-            <a:off x="2478155" y="3570387"/>
-            <a:ext cx="2167081" cy="2141180"/>
-          </a:xfrm>
-          <a:prstGeom prst="rect">
-            <a:avLst/>
-          </a:prstGeom>
-          <a:noFill/>
-          <a:extLst>
-            <a:ext uri="{909E8E84-426E-40DD-AFC4-6F175D3DCCD1}">
-              <a14:hiddenFill xmlns:a14="http://schemas.microsoft.com/office/drawing/2010/main">
-                <a:solidFill>
-                  <a:srgbClr val="FFFFFF"/>
-                </a:solidFill>
-              </a14:hiddenFill>
-            </a:ext>
-          </a:extLst>
-        </p:spPr>
-      </p:pic>
-    </p:spTree>
-    <p:extLst>
-      <p:ext uri="{BB962C8B-B14F-4D97-AF65-F5344CB8AC3E}">
-        <p14:creationId xmlns:p14="http://schemas.microsoft.com/office/powerpoint/2010/main" val="565530281"/>
-      </p:ext>
-    </p:extLst>
-  </p:cSld>
-  <p:clrMapOvr>
-    <a:masterClrMapping/>
-  </p:clrMapOvr>
-</p:sld>
-</file>
-
-<file path=ppt/slides/slide5.xml><?xml version="1.0" encoding="utf-8"?>
-<p:sld xmlns:a="http://schemas.openxmlformats.org/drawingml/2006/main" xmlns:r="http://schemas.openxmlformats.org/officeDocument/2006/relationships" xmlns:p="http://schemas.openxmlformats.org/presentationml/2006/main">
-  <p:cSld>
-    <p:spTree>
-      <p:nvGrpSpPr>
-        <p:cNvPr id="1" name=""/>
-        <p:cNvGrpSpPr/>
-        <p:nvPr/>
-      </p:nvGrpSpPr>
-      <p:grpSpPr>
-        <a:xfrm>
-          <a:off x="0" y="0"/>
-          <a:ext cx="0" cy="0"/>
-          <a:chOff x="0" y="0"/>
-          <a:chExt cx="0" cy="0"/>
-        </a:xfrm>
-      </p:grpSpPr>
-      <p:sp>
-        <p:nvSpPr>
-          <p:cNvPr id="4" name="TextBox 3">
-            <a:extLst>
-              <a:ext uri="{FF2B5EF4-FFF2-40B4-BE49-F238E27FC236}">
-                <a16:creationId xmlns:a16="http://schemas.microsoft.com/office/drawing/2014/main" id="{2E4ACB90-5B23-AE45-9404-FED4FB5128EF}"/>
-              </a:ext>
-            </a:extLst>
-          </p:cNvPr>
-          <p:cNvSpPr txBox="1"/>
-          <p:nvPr/>
-        </p:nvSpPr>
-        <p:spPr>
-          <a:xfrm>
-            <a:off x="1842053" y="586938"/>
-            <a:ext cx="8507894" cy="923330"/>
-          </a:xfrm>
-          <a:prstGeom prst="rect">
-            <a:avLst/>
-          </a:prstGeom>
-          <a:noFill/>
-        </p:spPr>
-        <p:txBody>
-          <a:bodyPr wrap="square" rtlCol="0">
-            <a:spAutoFit/>
-          </a:bodyPr>
-          <a:lstStyle/>
-          <a:p>
-            <a:pPr algn="ctr"/>
-            <a:r>
-              <a:rPr lang="en-US" sz="5400" dirty="0">
-                <a:latin typeface="Economica" panose="02000506040000020004" pitchFamily="2" charset="77"/>
-              </a:rPr>
-              <a:t>Regularizing Weights</a:t>
-            </a:r>
-          </a:p>
-        </p:txBody>
-      </p:sp>
-      <p:sp>
-        <p:nvSpPr>
-          <p:cNvPr id="5" name="TextBox 4">
-            <a:extLst>
-              <a:ext uri="{FF2B5EF4-FFF2-40B4-BE49-F238E27FC236}">
-                <a16:creationId xmlns:a16="http://schemas.microsoft.com/office/drawing/2014/main" id="{21B2E298-9F21-FF4E-96E1-1B758B6D7AC7}"/>
-              </a:ext>
-            </a:extLst>
-          </p:cNvPr>
-          <p:cNvSpPr txBox="1"/>
-          <p:nvPr/>
-        </p:nvSpPr>
-        <p:spPr>
-          <a:xfrm>
-            <a:off x="890337" y="1940249"/>
-            <a:ext cx="10016362" cy="1446550"/>
-          </a:xfrm>
-          <a:prstGeom prst="rect">
-            <a:avLst/>
-          </a:prstGeom>
-          <a:noFill/>
-        </p:spPr>
-        <p:txBody>
-          <a:bodyPr wrap="square" rtlCol="0">
-            <a:spAutoFit/>
-          </a:bodyPr>
-          <a:lstStyle/>
-          <a:p>
-            <a:r>
-              <a:rPr lang="en-US" sz="2000" b="1" dirty="0">
-                <a:latin typeface="Quicksand" pitchFamily="2" charset="77"/>
-              </a:rPr>
-              <a:t>Regularizing Weights Means Less Entropy</a:t>
-            </a:r>
-          </a:p>
-          <a:p>
-            <a:pPr marL="171450" indent="-171450">
-              <a:buFont typeface="Arial" panose="020B0604020202020204" pitchFamily="34" charset="0"/>
-              <a:buChar char="•"/>
-            </a:pPr>
-            <a:endParaRPr lang="en-US" sz="1400" dirty="0">
-              <a:latin typeface="Quicksand" pitchFamily="2" charset="77"/>
-            </a:endParaRPr>
-          </a:p>
-          <a:p>
-            <a:pPr marL="628650" lvl="1" indent="-171450">
-              <a:buFont typeface="Arial" panose="020B0604020202020204" pitchFamily="34" charset="0"/>
-              <a:buChar char="•"/>
-            </a:pPr>
-            <a:r>
-              <a:rPr lang="en-US" dirty="0">
-                <a:latin typeface="Quicksand" pitchFamily="2" charset="77"/>
-              </a:rPr>
-              <a:t>Regularizing a layer’s weights means the weights are updated less as their collective magnitude (e.g., sum) gets larger. Both L1 or L2 norms can be used here applied. </a:t>
-            </a:r>
-          </a:p>
-          <a:p>
-            <a:pPr marL="628650" lvl="1" indent="-171450">
-              <a:buFont typeface="Arial" panose="020B0604020202020204" pitchFamily="34" charset="0"/>
-              <a:buChar char="•"/>
-            </a:pPr>
-            <a:r>
-              <a:rPr lang="en-US" dirty="0">
-                <a:latin typeface="Quicksand" pitchFamily="2" charset="77"/>
-              </a:rPr>
-              <a:t>This approach is typically used to improve the validation performance of smaller networks. </a:t>
-            </a:r>
-          </a:p>
-        </p:txBody>
-      </p:sp>
-      <p:pic>
-        <p:nvPicPr>
-          <p:cNvPr id="2" name="Picture 1">
-            <a:extLst>
-              <a:ext uri="{FF2B5EF4-FFF2-40B4-BE49-F238E27FC236}">
-                <a16:creationId xmlns:a16="http://schemas.microsoft.com/office/drawing/2014/main" id="{E0C04DF8-6EA2-E948-B0B5-0E9E958C8DF8}"/>
-              </a:ext>
-            </a:extLst>
-          </p:cNvPr>
-          <p:cNvPicPr>
-            <a:picLocks noChangeAspect="1"/>
-          </p:cNvPicPr>
-          <p:nvPr/>
-        </p:nvPicPr>
-        <p:blipFill>
-          <a:blip r:embed="rId2"/>
-          <a:stretch>
-            <a:fillRect/>
-          </a:stretch>
-        </p:blipFill>
-        <p:spPr>
-          <a:xfrm>
-            <a:off x="3413125" y="3597538"/>
-            <a:ext cx="5365750" cy="2899624"/>
-          </a:xfrm>
-          <a:prstGeom prst="rect">
-            <a:avLst/>
-          </a:prstGeom>
-        </p:spPr>
-      </p:pic>
-    </p:spTree>
-    <p:extLst>
-      <p:ext uri="{BB962C8B-B14F-4D97-AF65-F5344CB8AC3E}">
-        <p14:creationId xmlns:p14="http://schemas.microsoft.com/office/powerpoint/2010/main" val="2580975236"/>
-      </p:ext>
-    </p:extLst>
-  </p:cSld>
-  <p:clrMapOvr>
-    <a:masterClrMapping/>
-  </p:clrMapOvr>
-</p:sld>
-</file>
-
-<file path=ppt/slides/slide6.xml><?xml version="1.0" encoding="utf-8"?>
-<p:sld xmlns:a="http://schemas.openxmlformats.org/drawingml/2006/main" xmlns:r="http://schemas.openxmlformats.org/officeDocument/2006/relationships" xmlns:p="http://schemas.openxmlformats.org/presentationml/2006/main">
-  <p:cSld>
-    <p:spTree>
-      <p:nvGrpSpPr>
-        <p:cNvPr id="1" name=""/>
-        <p:cNvGrpSpPr/>
-        <p:nvPr/>
-      </p:nvGrpSpPr>
-      <p:grpSpPr>
-        <a:xfrm>
-          <a:off x="0" y="0"/>
-          <a:ext cx="0" cy="0"/>
-          <a:chOff x="0" y="0"/>
-          <a:chExt cx="0" cy="0"/>
-        </a:xfrm>
-      </p:grpSpPr>
-      <p:sp>
-        <p:nvSpPr>
-          <p:cNvPr id="4" name="TextBox 3">
-            <a:extLst>
-              <a:ext uri="{FF2B5EF4-FFF2-40B4-BE49-F238E27FC236}">
-                <a16:creationId xmlns:a16="http://schemas.microsoft.com/office/drawing/2014/main" id="{2E4ACB90-5B23-AE45-9404-FED4FB5128EF}"/>
-              </a:ext>
-            </a:extLst>
-          </p:cNvPr>
-          <p:cNvSpPr txBox="1"/>
-          <p:nvPr/>
-        </p:nvSpPr>
-        <p:spPr>
-          <a:xfrm>
-            <a:off x="2865521" y="586938"/>
-            <a:ext cx="6460957" cy="923330"/>
-          </a:xfrm>
-          <a:prstGeom prst="rect">
-            <a:avLst/>
-          </a:prstGeom>
-          <a:noFill/>
-        </p:spPr>
-        <p:txBody>
-          <a:bodyPr wrap="square" rtlCol="0">
-            <a:spAutoFit/>
-          </a:bodyPr>
-          <a:lstStyle/>
-          <a:p>
-            <a:pPr algn="ctr"/>
-            <a:r>
-              <a:rPr lang="en-US" sz="5400" dirty="0">
-                <a:latin typeface="Economica" panose="02000506040000020004" pitchFamily="2" charset="77"/>
-              </a:rPr>
-              <a:t>Dropout</a:t>
-            </a:r>
-          </a:p>
-        </p:txBody>
-      </p:sp>
-      <p:sp>
-        <p:nvSpPr>
-          <p:cNvPr id="5" name="TextBox 4">
-            <a:extLst>
-              <a:ext uri="{FF2B5EF4-FFF2-40B4-BE49-F238E27FC236}">
-                <a16:creationId xmlns:a16="http://schemas.microsoft.com/office/drawing/2014/main" id="{21B2E298-9F21-FF4E-96E1-1B758B6D7AC7}"/>
-              </a:ext>
-            </a:extLst>
-          </p:cNvPr>
-          <p:cNvSpPr txBox="1"/>
-          <p:nvPr/>
-        </p:nvSpPr>
-        <p:spPr>
-          <a:xfrm>
-            <a:off x="890337" y="1940249"/>
-            <a:ext cx="10016362" cy="2277547"/>
-          </a:xfrm>
-          <a:prstGeom prst="rect">
-            <a:avLst/>
-          </a:prstGeom>
-          <a:noFill/>
-        </p:spPr>
-        <p:txBody>
-          <a:bodyPr wrap="square" rtlCol="0">
-            <a:spAutoFit/>
-          </a:bodyPr>
-          <a:lstStyle/>
-          <a:p>
-            <a:r>
-              <a:rPr lang="en-US" sz="2000" b="1" dirty="0">
-                <a:latin typeface="Quicksand" pitchFamily="2" charset="77"/>
-              </a:rPr>
-              <a:t>Adding Dropout Layers to the Network</a:t>
-            </a:r>
-          </a:p>
-          <a:p>
-            <a:pPr marL="171450" indent="-171450">
-              <a:buFont typeface="Arial" panose="020B0604020202020204" pitchFamily="34" charset="0"/>
-              <a:buChar char="•"/>
-            </a:pPr>
-            <a:endParaRPr lang="en-US" sz="1400" dirty="0">
-              <a:latin typeface="Quicksand" pitchFamily="2" charset="77"/>
-            </a:endParaRPr>
-          </a:p>
-          <a:p>
-            <a:pPr marL="628650" lvl="1" indent="-171450">
-              <a:buFont typeface="Arial" panose="020B0604020202020204" pitchFamily="34" charset="0"/>
-              <a:buChar char="•"/>
-            </a:pPr>
-            <a:r>
-              <a:rPr lang="en-US" dirty="0">
-                <a:latin typeface="Quicksand" pitchFamily="2" charset="77"/>
-              </a:rPr>
-              <a:t>Dropout layers set a random proportion of edge weights to 0 in a given training iteration. Typically between 20% and 50% of edges. </a:t>
-            </a:r>
-          </a:p>
-          <a:p>
-            <a:pPr marL="628650" lvl="1" indent="-171450">
-              <a:buFont typeface="Arial" panose="020B0604020202020204" pitchFamily="34" charset="0"/>
-              <a:buChar char="•"/>
-            </a:pPr>
-            <a:r>
-              <a:rPr lang="en-US" dirty="0">
-                <a:latin typeface="Quicksand" pitchFamily="2" charset="77"/>
-              </a:rPr>
-              <a:t>When the final model is obtained, the 0’s are removed, and the output values are scaled down uniformly to account for the change in the number of edges. </a:t>
-            </a:r>
-          </a:p>
-          <a:p>
-            <a:pPr marL="628650" lvl="1" indent="-171450">
-              <a:buFont typeface="Arial" panose="020B0604020202020204" pitchFamily="34" charset="0"/>
-              <a:buChar char="•"/>
-            </a:pPr>
-            <a:r>
-              <a:rPr lang="en-US" dirty="0">
-                <a:latin typeface="Quicksand" pitchFamily="2" charset="77"/>
-              </a:rPr>
-              <a:t>This approach is more commonly used with large / deep networks. </a:t>
-            </a:r>
-          </a:p>
-          <a:p>
-            <a:pPr marL="628650" lvl="1" indent="-171450">
-              <a:buFont typeface="Arial" panose="020B0604020202020204" pitchFamily="34" charset="0"/>
-              <a:buChar char="•"/>
-            </a:pPr>
-            <a:endParaRPr lang="en-US" dirty="0">
-              <a:latin typeface="Quicksand" pitchFamily="2" charset="77"/>
-            </a:endParaRPr>
-          </a:p>
-        </p:txBody>
-      </p:sp>
-      <p:pic>
-        <p:nvPicPr>
-          <p:cNvPr id="2" name="Picture 1">
-            <a:extLst>
-              <a:ext uri="{FF2B5EF4-FFF2-40B4-BE49-F238E27FC236}">
-                <a16:creationId xmlns:a16="http://schemas.microsoft.com/office/drawing/2014/main" id="{50969ED4-3723-4242-BCBB-421F86B991E6}"/>
-              </a:ext>
-            </a:extLst>
-          </p:cNvPr>
-          <p:cNvPicPr>
-            <a:picLocks noChangeAspect="1"/>
-          </p:cNvPicPr>
-          <p:nvPr/>
-        </p:nvPicPr>
-        <p:blipFill>
-          <a:blip r:embed="rId2"/>
-          <a:stretch>
-            <a:fillRect/>
-          </a:stretch>
-        </p:blipFill>
-        <p:spPr>
-          <a:xfrm>
-            <a:off x="2304911" y="3998991"/>
-            <a:ext cx="7582175" cy="2272071"/>
-          </a:xfrm>
-          <a:prstGeom prst="rect">
-            <a:avLst/>
-          </a:prstGeom>
-        </p:spPr>
-      </p:pic>
-    </p:spTree>
-    <p:extLst>
-      <p:ext uri="{BB962C8B-B14F-4D97-AF65-F5344CB8AC3E}">
-        <p14:creationId xmlns:p14="http://schemas.microsoft.com/office/powerpoint/2010/main" val="1385660525"/>
-      </p:ext>
-    </p:extLst>
-  </p:cSld>
-  <p:clrMapOvr>
-    <a:masterClrMapping/>
-  </p:clrMapOvr>
-</p:sld>
-</file>
-
-<file path=ppt/slides/slide7.xml><?xml version="1.0" encoding="utf-8"?>
+<file path=ppt/slides/slide8.xml><?xml version="1.0" encoding="utf-8"?>
 <p:sld xmlns:a="http://schemas.openxmlformats.org/drawingml/2006/main" xmlns:r="http://schemas.openxmlformats.org/officeDocument/2006/relationships" xmlns:p="http://schemas.openxmlformats.org/presentationml/2006/main">
   <p:cSld>
     <p:spTree>
@@ -6029,7 +6236,7 @@
 </p:sld>
 </file>
 
-<file path=ppt/slides/slide8.xml><?xml version="1.0" encoding="utf-8"?>
+<file path=ppt/slides/slide9.xml><?xml version="1.0" encoding="utf-8"?>
 <p:sld xmlns:a="http://schemas.openxmlformats.org/drawingml/2006/main" xmlns:r="http://schemas.openxmlformats.org/officeDocument/2006/relationships" xmlns:p="http://schemas.openxmlformats.org/presentationml/2006/main">
   <p:cSld>
     <p:spTree>
@@ -6214,214 +6421,6 @@
     <p:extLst>
       <p:ext uri="{BB962C8B-B14F-4D97-AF65-F5344CB8AC3E}">
         <p14:creationId xmlns:p14="http://schemas.microsoft.com/office/powerpoint/2010/main" val="1775416059"/>
-      </p:ext>
-    </p:extLst>
-  </p:cSld>
-  <p:clrMapOvr>
-    <a:masterClrMapping/>
-  </p:clrMapOvr>
-</p:sld>
-</file>
-
-<file path=ppt/slides/slide9.xml><?xml version="1.0" encoding="utf-8"?>
-<p:sld xmlns:a="http://schemas.openxmlformats.org/drawingml/2006/main" xmlns:r="http://schemas.openxmlformats.org/officeDocument/2006/relationships" xmlns:p="http://schemas.openxmlformats.org/presentationml/2006/main">
-  <p:cSld>
-    <p:spTree>
-      <p:nvGrpSpPr>
-        <p:cNvPr id="1" name=""/>
-        <p:cNvGrpSpPr/>
-        <p:nvPr/>
-      </p:nvGrpSpPr>
-      <p:grpSpPr>
-        <a:xfrm>
-          <a:off x="0" y="0"/>
-          <a:ext cx="0" cy="0"/>
-          <a:chOff x="0" y="0"/>
-          <a:chExt cx="0" cy="0"/>
-        </a:xfrm>
-      </p:grpSpPr>
-      <p:sp>
-        <p:nvSpPr>
-          <p:cNvPr id="4" name="TextBox 3">
-            <a:extLst>
-              <a:ext uri="{FF2B5EF4-FFF2-40B4-BE49-F238E27FC236}">
-                <a16:creationId xmlns:a16="http://schemas.microsoft.com/office/drawing/2014/main" id="{2E4ACB90-5B23-AE45-9404-FED4FB5128EF}"/>
-              </a:ext>
-            </a:extLst>
-          </p:cNvPr>
-          <p:cNvSpPr txBox="1"/>
-          <p:nvPr/>
-        </p:nvSpPr>
-        <p:spPr>
-          <a:xfrm>
-            <a:off x="2865521" y="586938"/>
-            <a:ext cx="6460957" cy="923330"/>
-          </a:xfrm>
-          <a:prstGeom prst="rect">
-            <a:avLst/>
-          </a:prstGeom>
-          <a:noFill/>
-        </p:spPr>
-        <p:txBody>
-          <a:bodyPr wrap="square" rtlCol="0">
-            <a:spAutoFit/>
-          </a:bodyPr>
-          <a:lstStyle/>
-          <a:p>
-            <a:pPr algn="ctr"/>
-            <a:r>
-              <a:rPr lang="en-US" sz="5400" dirty="0">
-                <a:latin typeface="Economica" panose="02000506040000020004" pitchFamily="2" charset="77"/>
-              </a:rPr>
-              <a:t>Get More Data!</a:t>
-            </a:r>
-          </a:p>
-        </p:txBody>
-      </p:sp>
-      <p:sp>
-        <p:nvSpPr>
-          <p:cNvPr id="5" name="TextBox 4">
-            <a:extLst>
-              <a:ext uri="{FF2B5EF4-FFF2-40B4-BE49-F238E27FC236}">
-                <a16:creationId xmlns:a16="http://schemas.microsoft.com/office/drawing/2014/main" id="{21B2E298-9F21-FF4E-96E1-1B758B6D7AC7}"/>
-              </a:ext>
-            </a:extLst>
-          </p:cNvPr>
-          <p:cNvSpPr txBox="1"/>
-          <p:nvPr/>
-        </p:nvSpPr>
-        <p:spPr>
-          <a:xfrm>
-            <a:off x="890337" y="1940249"/>
-            <a:ext cx="10016362" cy="1923604"/>
-          </a:xfrm>
-          <a:prstGeom prst="rect">
-            <a:avLst/>
-          </a:prstGeom>
-          <a:noFill/>
-        </p:spPr>
-        <p:txBody>
-          <a:bodyPr wrap="square" rtlCol="0">
-            <a:spAutoFit/>
-          </a:bodyPr>
-          <a:lstStyle/>
-          <a:p>
-            <a:r>
-              <a:rPr lang="en-US" b="1" dirty="0">
-                <a:latin typeface="Quicksand" pitchFamily="2" charset="77"/>
-              </a:rPr>
-              <a:t>More Training Examples</a:t>
-            </a:r>
-          </a:p>
-          <a:p>
-            <a:endParaRPr lang="en-US" sz="1100" b="1" dirty="0">
-              <a:latin typeface="Quicksand" pitchFamily="2" charset="77"/>
-            </a:endParaRPr>
-          </a:p>
-          <a:p>
-            <a:pPr marL="742950" lvl="1" indent="-285750">
-              <a:buFont typeface="Arial" panose="020B0604020202020204" pitchFamily="34" charset="0"/>
-              <a:buChar char="•"/>
-            </a:pPr>
-            <a:r>
-              <a:rPr lang="en-US" dirty="0">
-                <a:latin typeface="Quicksand" pitchFamily="2" charset="77"/>
-              </a:rPr>
-              <a:t>Means you can have a bigger training data-set, which will presumably contain more information for the model to extract. </a:t>
-            </a:r>
-          </a:p>
-          <a:p>
-            <a:pPr marL="742950" lvl="1" indent="-285750">
-              <a:buFont typeface="Arial" panose="020B0604020202020204" pitchFamily="34" charset="0"/>
-              <a:buChar char="•"/>
-            </a:pPr>
-            <a:r>
-              <a:rPr lang="en-US" dirty="0">
-                <a:latin typeface="Quicksand" pitchFamily="2" charset="77"/>
-              </a:rPr>
-              <a:t>This is the approach that often yields the best marginal returns, though it can also be most costly. </a:t>
-            </a:r>
-          </a:p>
-          <a:p>
-            <a:pPr marL="742950" lvl="1" indent="-285750">
-              <a:buFont typeface="Arial" panose="020B0604020202020204" pitchFamily="34" charset="0"/>
-              <a:buChar char="•"/>
-            </a:pPr>
-            <a:endParaRPr lang="en-US" dirty="0">
-              <a:latin typeface="Quicksand" pitchFamily="2" charset="77"/>
-            </a:endParaRPr>
-          </a:p>
-          <a:p>
-            <a:pPr marL="628650" lvl="1" indent="-171450">
-              <a:buFont typeface="Arial" panose="020B0604020202020204" pitchFamily="34" charset="0"/>
-              <a:buChar char="•"/>
-            </a:pPr>
-            <a:endParaRPr lang="en-US" dirty="0">
-              <a:latin typeface="Quicksand" pitchFamily="2" charset="77"/>
-            </a:endParaRPr>
-          </a:p>
-        </p:txBody>
-      </p:sp>
-      <p:pic>
-        <p:nvPicPr>
-          <p:cNvPr id="3074" name="Picture 2" descr="How the Data That Internet Companies Collect Can Be Used for the Public Good">
-            <a:extLst>
-              <a:ext uri="{FF2B5EF4-FFF2-40B4-BE49-F238E27FC236}">
-                <a16:creationId xmlns:a16="http://schemas.microsoft.com/office/drawing/2014/main" id="{45F2F0B8-3133-8141-9BA2-4E6C4CB7F9A9}"/>
-              </a:ext>
-            </a:extLst>
-          </p:cNvPr>
-          <p:cNvPicPr>
-            <a:picLocks noChangeAspect="1" noChangeArrowheads="1"/>
-          </p:cNvPicPr>
-          <p:nvPr/>
-        </p:nvPicPr>
-        <p:blipFill>
-          <a:blip r:embed="rId2">
-            <a:extLst>
-              <a:ext uri="{28A0092B-C50C-407E-A947-70E740481C1C}">
-                <a14:useLocalDpi xmlns:a14="http://schemas.microsoft.com/office/drawing/2010/main" val="0"/>
-              </a:ext>
-            </a:extLst>
-          </a:blip>
-          <a:srcRect/>
-          <a:stretch>
-            <a:fillRect/>
-          </a:stretch>
-        </p:blipFill>
-        <p:spPr bwMode="auto">
-          <a:xfrm>
-            <a:off x="3778170" y="3863853"/>
-            <a:ext cx="4240696" cy="2385392"/>
-          </a:xfrm>
-          <a:prstGeom prst="rect">
-            <a:avLst/>
-          </a:prstGeom>
-          <a:ln>
-            <a:noFill/>
-          </a:ln>
-          <a:effectLst>
-            <a:outerShdw blurRad="292100" dist="139700" dir="2700000" algn="tl" rotWithShape="0">
-              <a:srgbClr val="333333">
-                <a:alpha val="65000"/>
-              </a:srgbClr>
-            </a:outerShdw>
-          </a:effectLst>
-          <a:extLst>
-            <a:ext uri="{909E8E84-426E-40DD-AFC4-6F175D3DCCD1}">
-              <a14:hiddenFill xmlns:a14="http://schemas.microsoft.com/office/drawing/2010/main">
-                <a:solidFill>
-                  <a:srgbClr val="FFFFFF"/>
-                </a:solidFill>
-              </a14:hiddenFill>
-            </a:ext>
-          </a:extLst>
-        </p:spPr>
-      </p:pic>
-    </p:spTree>
-    <p:extLst>
-      <p:ext uri="{BB962C8B-B14F-4D97-AF65-F5344CB8AC3E}">
-        <p14:creationId xmlns:p14="http://schemas.microsoft.com/office/powerpoint/2010/main" val="1570379460"/>
       </p:ext>
     </p:extLst>
   </p:cSld>
